--- a/class4/Presentation4.pptx
+++ b/class4/Presentation4.pptx
@@ -5,7 +5,7 @@
     <p:sldMasterId id="2147483660" r:id="rId1"/>
   </p:sldMasterIdLst>
   <p:notesMasterIdLst>
-    <p:notesMasterId r:id="rId30"/>
+    <p:notesMasterId r:id="rId31"/>
   </p:notesMasterIdLst>
   <p:sldIdLst>
     <p:sldId id="256" r:id="rId2"/>
@@ -35,7 +35,8 @@
     <p:sldId id="280" r:id="rId26"/>
     <p:sldId id="281" r:id="rId27"/>
     <p:sldId id="282" r:id="rId28"/>
-    <p:sldId id="283" r:id="rId29"/>
+    <p:sldId id="284" r:id="rId29"/>
+    <p:sldId id="283" r:id="rId30"/>
   </p:sldIdLst>
   <p:sldSz cx="12192000" cy="6858000"/>
   <p:notesSz cx="6858000" cy="9144000"/>
@@ -134,6 +135,11 @@
       </a:defRPr>
     </a:lvl9pPr>
   </p:defaultTextStyle>
+  <p:extLst>
+    <p:ext uri="{EFAFB233-063F-42B5-8137-9DF3F51BA10A}">
+      <p15:sldGuideLst xmlns:p15="http://schemas.microsoft.com/office/powerpoint/2012/main"/>
+    </p:ext>
+  </p:extLst>
 </p:presentation>
 </file>
 
@@ -6406,7 +6412,7 @@
           <a:p>
             <a:fld id="{89277846-BB4E-1941-8794-751E88CD16E4}" type="datetimeFigureOut">
               <a:rPr lang="en-US" smtClean="0"/>
-              <a:t>4/30/25</a:t>
+              <a:t>5/27/25</a:t>
             </a:fld>
             <a:endParaRPr lang="en-US"/>
           </a:p>
@@ -7009,6 +7015,90 @@
 </p:notes>
 </file>
 
+<file path=ppt/notesSlides/notesSlide5.xml><?xml version="1.0" encoding="utf-8"?>
+<p:notes xmlns:a="http://schemas.openxmlformats.org/drawingml/2006/main" xmlns:r="http://schemas.openxmlformats.org/officeDocument/2006/relationships" xmlns:p="http://schemas.openxmlformats.org/presentationml/2006/main">
+  <p:cSld>
+    <p:spTree>
+      <p:nvGrpSpPr>
+        <p:cNvPr id="1" name=""/>
+        <p:cNvGrpSpPr/>
+        <p:nvPr/>
+      </p:nvGrpSpPr>
+      <p:grpSpPr>
+        <a:xfrm>
+          <a:off x="0" y="0"/>
+          <a:ext cx="0" cy="0"/>
+          <a:chOff x="0" y="0"/>
+          <a:chExt cx="0" cy="0"/>
+        </a:xfrm>
+      </p:grpSpPr>
+      <p:sp>
+        <p:nvSpPr>
+          <p:cNvPr id="2" name="Slide Image Placeholder 1"/>
+          <p:cNvSpPr>
+            <a:spLocks noGrp="1" noRot="1" noChangeAspect="1"/>
+          </p:cNvSpPr>
+          <p:nvPr>
+            <p:ph type="sldImg"/>
+          </p:nvPr>
+        </p:nvSpPr>
+        <p:spPr/>
+      </p:sp>
+      <p:sp>
+        <p:nvSpPr>
+          <p:cNvPr id="3" name="Notes Placeholder 2"/>
+          <p:cNvSpPr>
+            <a:spLocks noGrp="1"/>
+          </p:cNvSpPr>
+          <p:nvPr>
+            <p:ph type="body" idx="1"/>
+          </p:nvPr>
+        </p:nvSpPr>
+        <p:spPr/>
+        <p:txBody>
+          <a:bodyPr/>
+          <a:lstStyle/>
+          <a:p>
+            <a:endParaRPr lang="en-US" dirty="0"/>
+          </a:p>
+        </p:txBody>
+      </p:sp>
+      <p:sp>
+        <p:nvSpPr>
+          <p:cNvPr id="4" name="Slide Number Placeholder 3"/>
+          <p:cNvSpPr>
+            <a:spLocks noGrp="1"/>
+          </p:cNvSpPr>
+          <p:nvPr>
+            <p:ph type="sldNum" sz="quarter" idx="5"/>
+          </p:nvPr>
+        </p:nvSpPr>
+        <p:spPr/>
+        <p:txBody>
+          <a:bodyPr/>
+          <a:lstStyle/>
+          <a:p>
+            <a:fld id="{DE3CB92F-C0D0-9743-8F11-1050C3EAE337}" type="slidenum">
+              <a:rPr lang="en-US" smtClean="0"/>
+              <a:t>28</a:t>
+            </a:fld>
+            <a:endParaRPr lang="en-US"/>
+          </a:p>
+        </p:txBody>
+      </p:sp>
+    </p:spTree>
+    <p:extLst>
+      <p:ext uri="{BB962C8B-B14F-4D97-AF65-F5344CB8AC3E}">
+        <p14:creationId xmlns:p14="http://schemas.microsoft.com/office/powerpoint/2010/main" val="4048417619"/>
+      </p:ext>
+    </p:extLst>
+  </p:cSld>
+  <p:clrMapOvr>
+    <a:masterClrMapping/>
+  </p:clrMapOvr>
+</p:notes>
+</file>
+
 <file path=ppt/slideLayouts/slideLayout1.xml><?xml version="1.0" encoding="utf-8"?>
 <p:sldLayout xmlns:a="http://schemas.openxmlformats.org/drawingml/2006/main" xmlns:r="http://schemas.openxmlformats.org/officeDocument/2006/relationships" xmlns:p="http://schemas.openxmlformats.org/presentationml/2006/main" type="title" preserve="1">
   <p:cSld name="Title Slide">
@@ -7165,7 +7255,7 @@
           <a:p>
             <a:fld id="{6444479B-705B-4489-957E-7E8A228BDFA0}" type="datetime1">
               <a:rPr lang="en-US" smtClean="0"/>
-              <a:t>4/30/25</a:t>
+              <a:t>5/27/25</a:t>
             </a:fld>
             <a:endParaRPr lang="en-US"/>
           </a:p>
@@ -7365,7 +7455,7 @@
           <a:p>
             <a:fld id="{C07B66AD-7C08-490A-ADA4-B47E10FB2407}" type="datetime1">
               <a:rPr lang="en-US" smtClean="0"/>
-              <a:t>4/30/25</a:t>
+              <a:t>5/27/25</a:t>
             </a:fld>
             <a:endParaRPr lang="en-US"/>
           </a:p>
@@ -7624,7 +7714,7 @@
           <a:p>
             <a:fld id="{05B95027-4255-49E7-9841-CD21BCC99996}" type="datetime1">
               <a:rPr lang="en-US" smtClean="0"/>
-              <a:t>4/30/25</a:t>
+              <a:t>5/27/25</a:t>
             </a:fld>
             <a:endParaRPr lang="en-US"/>
           </a:p>
@@ -7865,7 +7955,7 @@
           <a:p>
             <a:fld id="{9F89F774-3FA6-43B8-9241-99959C8FD463}" type="datetime1">
               <a:rPr lang="en-US" smtClean="0"/>
-              <a:t>4/30/25</a:t>
+              <a:t>5/27/25</a:t>
             </a:fld>
             <a:endParaRPr lang="en-US"/>
           </a:p>
@@ -8192,7 +8282,7 @@
           <a:p>
             <a:fld id="{F9504452-5DCC-4FE2-A5C9-8A5EF6714D65}" type="datetime1">
               <a:rPr lang="en-US" smtClean="0"/>
-              <a:t>4/30/25</a:t>
+              <a:t>5/27/25</a:t>
             </a:fld>
             <a:endParaRPr lang="en-US"/>
           </a:p>
@@ -8502,7 +8592,7 @@
           <a:p>
             <a:fld id="{E579ABC2-0180-4F3A-A895-A85BC724D472}" type="datetime1">
               <a:rPr lang="en-US" smtClean="0"/>
-              <a:t>4/30/25</a:t>
+              <a:t>5/27/25</a:t>
             </a:fld>
             <a:endParaRPr lang="en-US"/>
           </a:p>
@@ -8920,7 +9010,7 @@
           <a:p>
             <a:fld id="{6AEEA9BA-4E8F-439E-BEA4-91FBA01E3F5F}" type="datetime1">
               <a:rPr lang="en-US" smtClean="0"/>
-              <a:t>4/30/25</a:t>
+              <a:t>5/27/25</a:t>
             </a:fld>
             <a:endParaRPr lang="en-US"/>
           </a:p>
@@ -9062,7 +9152,7 @@
           <a:p>
             <a:fld id="{BE15BF18-0007-481C-AA29-413124BC3EE7}" type="datetime1">
               <a:rPr lang="en-US" smtClean="0"/>
-              <a:t>4/30/25</a:t>
+              <a:t>5/27/25</a:t>
             </a:fld>
             <a:endParaRPr lang="en-US"/>
           </a:p>
@@ -9224,7 +9314,7 @@
           <a:p>
             <a:fld id="{09BE9870-3748-43AD-B547-02A075CB4A1D}" type="datetime1">
               <a:rPr lang="en-US" smtClean="0"/>
-              <a:t>4/30/25</a:t>
+              <a:t>5/27/25</a:t>
             </a:fld>
             <a:endParaRPr lang="en-US"/>
           </a:p>
@@ -9541,7 +9631,7 @@
           <a:p>
             <a:fld id="{558E7897-33C5-4F1A-9307-D068E37F3DC7}" type="datetime1">
               <a:rPr lang="en-US" smtClean="0"/>
-              <a:t>4/30/25</a:t>
+              <a:t>5/27/25</a:t>
             </a:fld>
             <a:endParaRPr lang="en-US"/>
           </a:p>
@@ -9836,7 +9926,7 @@
           <a:p>
             <a:fld id="{82E171BA-CC09-47C8-A6DF-F5C5CB59CEEC}" type="datetime1">
               <a:rPr lang="en-US" smtClean="0"/>
-              <a:t>4/30/25</a:t>
+              <a:t>5/27/25</a:t>
             </a:fld>
             <a:endParaRPr lang="en-US"/>
           </a:p>
@@ -10077,7 +10167,7 @@
           <a:p>
             <a:fld id="{7DA38F49-B3E2-4BF0-BEC7-C30D34ABBB8D}" type="datetime1">
               <a:rPr lang="en-US" smtClean="0"/>
-              <a:t>4/30/25</a:t>
+              <a:t>5/27/25</a:t>
             </a:fld>
             <a:endParaRPr lang="en-US"/>
           </a:p>
@@ -11651,8 +11741,8 @@
           </a:p>
         </p:txBody>
       </p:sp>
-      <mc:AlternateContent xmlns:mc="http://schemas.openxmlformats.org/markup-compatibility/2006">
-        <mc:Choice xmlns:a14="http://schemas.microsoft.com/office/drawing/2010/main" Requires="a14">
+      <mc:AlternateContent xmlns:mc="http://schemas.openxmlformats.org/markup-compatibility/2006" xmlns:a14="http://schemas.microsoft.com/office/drawing/2010/main">
+        <mc:Choice Requires="a14">
           <p:sp>
             <p:nvSpPr>
               <p:cNvPr id="5" name="TextBox 4">
@@ -11766,7 +11856,7 @@
                       <a:rPr lang="en-US" i="1" dirty="0" smtClean="0">
                         <a:latin typeface="Cambria Math" panose="02040503050406030204" pitchFamily="18" charset="0"/>
                       </a:rPr>
-                      <m:t>-</m:t>
+                      <m:t>−</m:t>
                     </m:r>
                     <m:r>
                       <m:rPr>
@@ -11845,6 +11935,7 @@
                 <a:endParaRPr lang="en-US" dirty="0"/>
               </a:p>
               <a:p>
+                <a:pPr/>
                 <a14:m>
                   <m:oMathPara xmlns:m="http://schemas.openxmlformats.org/officeDocument/2006/math">
                     <m:oMathParaPr>
@@ -11891,7 +11982,7 @@
                         <a:rPr lang="en-US" i="1" smtClean="0">
                           <a:latin typeface="Cambria Math" panose="02040503050406030204" pitchFamily="18" charset="0"/>
                         </a:rPr>
-                        <m:t>-</m:t>
+                        <m:t>−</m:t>
                       </m:r>
                       <m:r>
                         <a:rPr lang="en-US" i="1" smtClean="0">
@@ -11932,6 +12023,7 @@
                     </m:oMath>
                   </m:oMathPara>
                 </a14:m>
+                <a:endParaRPr lang="en-US" dirty="0"/>
               </a:p>
               <a:p>
                 <a:endParaRPr lang="en-US" dirty="0"/>
@@ -11942,7 +12034,7 @@
             </p:txBody>
           </p:sp>
         </mc:Choice>
-        <mc:Fallback>
+        <mc:Fallback xmlns="">
           <p:sp>
             <p:nvSpPr>
               <p:cNvPr id="5" name="TextBox 4">
@@ -12139,8 +12231,8 @@
           </a:p>
         </p:txBody>
       </p:sp>
-      <mc:AlternateContent xmlns:mc="http://schemas.openxmlformats.org/markup-compatibility/2006">
-        <mc:Choice xmlns:a14="http://schemas.microsoft.com/office/drawing/2010/main" Requires="a14">
+      <mc:AlternateContent xmlns:mc="http://schemas.openxmlformats.org/markup-compatibility/2006" xmlns:a14="http://schemas.microsoft.com/office/drawing/2010/main">
+        <mc:Choice Requires="a14">
           <p:sp>
             <p:nvSpPr>
               <p:cNvPr id="5" name="TextBox 4">
@@ -12191,7 +12283,7 @@
                       <a:rPr lang="en-US" i="1" dirty="0" smtClean="0">
                         <a:latin typeface="Cambria Math" panose="02040503050406030204" pitchFamily="18" charset="0"/>
                       </a:rPr>
-                      <m:t> 555-2368 </m:t>
+                      <m:t> 555−2368 </m:t>
                     </m:r>
                     <m:r>
                       <a:rPr lang="en-US" i="1" dirty="0" smtClean="0">
@@ -12287,7 +12379,7 @@
                       <a:rPr lang="en-US" i="1" dirty="0" smtClean="0">
                         <a:latin typeface="Cambria Math" panose="02040503050406030204" pitchFamily="18" charset="0"/>
                       </a:rPr>
-                      <m:t>-</m:t>
+                      <m:t>−</m:t>
                     </m:r>
                     <m:r>
                       <a:rPr lang="en-US" i="1" dirty="0" smtClean="0">
@@ -12354,6 +12446,7 @@
                 <a:endParaRPr lang="en-US" dirty="0"/>
               </a:p>
               <a:p>
+                <a:pPr/>
                 <a14:m>
                   <m:oMathPara xmlns:m="http://schemas.openxmlformats.org/officeDocument/2006/math">
                     <m:oMathParaPr>
@@ -12513,6 +12606,7 @@
                     </m:oMath>
                   </m:oMathPara>
                 </a14:m>
+                <a:endParaRPr lang="en-US" dirty="0"/>
               </a:p>
               <a:p>
                 <a:endParaRPr lang="en-US" dirty="0"/>
@@ -12523,7 +12617,7 @@
             </p:txBody>
           </p:sp>
         </mc:Choice>
-        <mc:Fallback>
+        <mc:Fallback xmlns="">
           <p:sp>
             <p:nvSpPr>
               <p:cNvPr id="5" name="TextBox 4">
@@ -12756,8 +12850,8 @@
           </a:p>
         </p:txBody>
       </p:sp>
-      <mc:AlternateContent xmlns:mc="http://schemas.openxmlformats.org/markup-compatibility/2006">
-        <mc:Choice xmlns:a14="http://schemas.microsoft.com/office/drawing/2010/main" Requires="a14">
+      <mc:AlternateContent xmlns:mc="http://schemas.openxmlformats.org/markup-compatibility/2006" xmlns:a14="http://schemas.microsoft.com/office/drawing/2010/main">
+        <mc:Choice Requires="a14">
           <p:sp>
             <p:nvSpPr>
               <p:cNvPr id="5" name="TextBox 4">
@@ -12871,7 +12965,7 @@
                         <a:rPr lang="en-US" i="1" dirty="0" smtClean="0">
                           <a:latin typeface="Cambria Math" panose="02040503050406030204" pitchFamily="18" charset="0"/>
                         </a:rPr>
-                        <m:t>-</m:t>
+                        <m:t>−</m:t>
                       </m:r>
                       <m:r>
                         <a:rPr lang="en-US" i="1" dirty="0" smtClean="0">
@@ -12946,7 +13040,7 @@
                         <a:rPr lang="en-US" i="1" dirty="0" smtClean="0">
                           <a:latin typeface="Cambria Math" panose="02040503050406030204" pitchFamily="18" charset="0"/>
                         </a:rPr>
-                        <m:t> 555-2368 </m:t>
+                        <m:t> 555−2368 </m:t>
                       </m:r>
                       <m:r>
                         <a:rPr lang="en-US" i="1" dirty="0" smtClean="0">
@@ -13042,7 +13136,7 @@
                         <a:rPr lang="en-US" i="1" dirty="0" smtClean="0">
                           <a:latin typeface="Cambria Math" panose="02040503050406030204" pitchFamily="18" charset="0"/>
                         </a:rPr>
-                        <m:t>-</m:t>
+                        <m:t>−</m:t>
                       </m:r>
                       <m:r>
                         <a:rPr lang="en-US" i="1" dirty="0" smtClean="0">
@@ -13095,6 +13189,9 @@
                     </m:oMath>
                   </m:oMathPara>
                 </a14:m>
+                <a:endParaRPr lang="en-US" i="1" dirty="0">
+                  <a:latin typeface="Cambria Math" panose="02040503050406030204" pitchFamily="18" charset="0"/>
+                </a:endParaRPr>
               </a:p>
               <a:p>
                 <a:endParaRPr lang="en-US" dirty="0"/>
@@ -13114,6 +13211,7 @@
                 <a:endParaRPr lang="en-US" dirty="0"/>
               </a:p>
               <a:p>
+                <a:pPr/>
                 <a14:m>
                   <m:oMathPara xmlns:m="http://schemas.openxmlformats.org/officeDocument/2006/math">
                     <m:oMathParaPr>
@@ -13184,7 +13282,7 @@
                         <a:rPr lang="en-US" i="1" smtClean="0">
                           <a:latin typeface="Cambria Math" panose="02040503050406030204" pitchFamily="18" charset="0"/>
                         </a:rPr>
-                        <m:t>-</m:t>
+                        <m:t>−</m:t>
                       </m:r>
                       <m:r>
                         <a:rPr lang="en-US" i="1" smtClean="0">
@@ -13237,6 +13335,7 @@
                     </m:oMath>
                   </m:oMathPara>
                 </a14:m>
+                <a:endParaRPr lang="en-US" dirty="0"/>
               </a:p>
               <a:p>
                 <a:endParaRPr lang="en-US" dirty="0"/>
@@ -13247,7 +13346,7 @@
             </p:txBody>
           </p:sp>
         </mc:Choice>
-        <mc:Fallback>
+        <mc:Fallback xmlns="">
           <p:sp>
             <p:nvSpPr>
               <p:cNvPr id="5" name="TextBox 4">
@@ -16610,6 +16709,304 @@
           <a:chExt cx="0" cy="0"/>
         </a:xfrm>
       </p:grpSpPr>
+      <p:sp useBgFill="1">
+        <p:nvSpPr>
+          <p:cNvPr id="8" name="Rectangle 7">
+            <a:extLst>
+              <a:ext uri="{FF2B5EF4-FFF2-40B4-BE49-F238E27FC236}">
+                <a16:creationId xmlns:a16="http://schemas.microsoft.com/office/drawing/2014/main" id="{DBDA151C-5770-45E4-AAFF-59E7F403866D}"/>
+              </a:ext>
+              <a:ext uri="{C183D7F6-B498-43B3-948B-1728B52AA6E4}">
+                <adec:decorative xmlns:adec="http://schemas.microsoft.com/office/drawing/2017/decorative" val="1"/>
+              </a:ext>
+            </a:extLst>
+          </p:cNvPr>
+          <p:cNvSpPr>
+            <a:spLocks noGrp="1" noRot="1" noChangeAspect="1" noMove="1" noResize="1" noEditPoints="1" noAdjustHandles="1" noChangeArrowheads="1" noChangeShapeType="1" noTextEdit="1"/>
+          </p:cNvSpPr>
+          <p:nvPr>
+            <p:extLst>
+              <p:ext uri="{386F3935-93C4-4BCD-93E2-E3B085C9AB24}">
+                <p16:designElem xmlns:p16="http://schemas.microsoft.com/office/powerpoint/2015/main" val="1"/>
+              </p:ext>
+            </p:extLst>
+          </p:nvPr>
+        </p:nvSpPr>
+        <p:spPr>
+          <a:xfrm>
+            <a:off x="0" y="0"/>
+            <a:ext cx="12192000" cy="6858000"/>
+          </a:xfrm>
+          <a:prstGeom prst="rect">
+            <a:avLst/>
+          </a:prstGeom>
+          <a:ln w="12700" cap="flat" cmpd="sng" algn="ctr">
+            <a:noFill/>
+            <a:prstDash val="solid"/>
+            <a:miter lim="800000"/>
+          </a:ln>
+          <a:effectLst/>
+          <a:extLst>
+            <a:ext uri="{91240B29-F687-4F45-9708-019B960494DF}">
+              <a14:hiddenLine xmlns:a14="http://schemas.microsoft.com/office/drawing/2010/main" w="12700" cap="flat" cmpd="sng" algn="ctr">
+                <a:solidFill>
+                  <a:schemeClr val="accent1">
+                    <a:shade val="50000"/>
+                  </a:schemeClr>
+                </a:solidFill>
+                <a:prstDash val="solid"/>
+                <a:miter lim="800000"/>
+              </a14:hiddenLine>
+            </a:ext>
+          </a:extLst>
+        </p:spPr>
+        <p:style>
+          <a:lnRef idx="2">
+            <a:schemeClr val="accent1">
+              <a:shade val="50000"/>
+            </a:schemeClr>
+          </a:lnRef>
+          <a:fillRef idx="1">
+            <a:schemeClr val="accent1"/>
+          </a:fillRef>
+          <a:effectRef idx="0">
+            <a:schemeClr val="accent1"/>
+          </a:effectRef>
+          <a:fontRef idx="minor">
+            <a:schemeClr val="lt1"/>
+          </a:fontRef>
+        </p:style>
+        <p:txBody>
+          <a:bodyPr rtlCol="0" anchor="ctr"/>
+          <a:lstStyle/>
+          <a:p>
+            <a:pPr algn="ctr"/>
+            <a:endParaRPr lang="en-US" dirty="0"/>
+          </a:p>
+        </p:txBody>
+      </p:sp>
+      <p:sp>
+        <p:nvSpPr>
+          <p:cNvPr id="2" name="Title 1">
+            <a:extLst>
+              <a:ext uri="{FF2B5EF4-FFF2-40B4-BE49-F238E27FC236}">
+                <a16:creationId xmlns:a16="http://schemas.microsoft.com/office/drawing/2014/main" id="{9A652DAD-B787-6EB5-D098-9C4EF001D861}"/>
+              </a:ext>
+            </a:extLst>
+          </p:cNvPr>
+          <p:cNvSpPr>
+            <a:spLocks noGrp="1"/>
+          </p:cNvSpPr>
+          <p:nvPr>
+            <p:ph type="title"/>
+          </p:nvPr>
+        </p:nvSpPr>
+        <p:spPr>
+          <a:xfrm>
+            <a:off x="640079" y="914400"/>
+            <a:ext cx="4256385" cy="4144684"/>
+          </a:xfrm>
+        </p:spPr>
+        <p:txBody>
+          <a:bodyPr anchor="t">
+            <a:normAutofit/>
+          </a:bodyPr>
+          <a:lstStyle/>
+          <a:p>
+            <a:r>
+              <a:rPr lang="en-US" dirty="0"/>
+              <a:t>Project insight I (TA Section)</a:t>
+            </a:r>
+          </a:p>
+        </p:txBody>
+      </p:sp>
+      <p:sp>
+        <p:nvSpPr>
+          <p:cNvPr id="13" name="Content Placeholder 2">
+            <a:extLst>
+              <a:ext uri="{FF2B5EF4-FFF2-40B4-BE49-F238E27FC236}">
+                <a16:creationId xmlns:a16="http://schemas.microsoft.com/office/drawing/2014/main" id="{66A4241F-7D82-2ADA-7BC1-3D46F4E017A9}"/>
+              </a:ext>
+            </a:extLst>
+          </p:cNvPr>
+          <p:cNvSpPr>
+            <a:spLocks noGrp="1"/>
+          </p:cNvSpPr>
+          <p:nvPr>
+            <p:ph idx="1"/>
+          </p:nvPr>
+        </p:nvSpPr>
+        <p:spPr>
+          <a:xfrm>
+            <a:off x="5148072" y="1051559"/>
+            <a:ext cx="6382937" cy="5248656"/>
+          </a:xfrm>
+        </p:spPr>
+        <p:txBody>
+          <a:bodyPr anchor="t">
+            <a:normAutofit/>
+          </a:bodyPr>
+          <a:lstStyle/>
+          <a:p>
+            <a:pPr>
+              <a:lnSpc>
+                <a:spcPct val="110000"/>
+              </a:lnSpc>
+            </a:pPr>
+            <a:r>
+              <a:rPr lang="en-US" b="1"/>
+              <a:t>Prepare Your Initial Project Idea</a:t>
+            </a:r>
+            <a:br>
+              <a:rPr lang="en-US"/>
+            </a:br>
+            <a:r>
+              <a:rPr lang="en-US"/>
+              <a:t>Define your agent's purpose, target users, and core capabilities. Bring early results or prompt drafts if available.</a:t>
+            </a:r>
+          </a:p>
+          <a:p>
+            <a:pPr>
+              <a:lnSpc>
+                <a:spcPct val="110000"/>
+              </a:lnSpc>
+            </a:pPr>
+            <a:r>
+              <a:rPr lang="en-US" b="1"/>
+              <a:t>Ask Questions During TA Section</a:t>
+            </a:r>
+            <a:br>
+              <a:rPr lang="en-US"/>
+            </a:br>
+            <a:r>
+              <a:rPr lang="en-US"/>
+              <a:t>Use this session to get clarity on scope, technical feasibility, or dataset access. Come ready to discuss!</a:t>
+            </a:r>
+          </a:p>
+          <a:p>
+            <a:pPr>
+              <a:lnSpc>
+                <a:spcPct val="110000"/>
+              </a:lnSpc>
+            </a:pPr>
+            <a:r>
+              <a:rPr lang="en-US" b="1"/>
+              <a:t>Post Your Project Idea on Discord</a:t>
+            </a:r>
+            <a:br>
+              <a:rPr lang="en-US"/>
+            </a:br>
+            <a:r>
+              <a:rPr lang="en-US"/>
+              <a:t>Share your idea in the #project-discussion channel with a short description and your goals for the next few weeks.</a:t>
+            </a:r>
+          </a:p>
+          <a:p>
+            <a:pPr>
+              <a:lnSpc>
+                <a:spcPct val="110000"/>
+              </a:lnSpc>
+            </a:pPr>
+            <a:r>
+              <a:rPr lang="en-US" b="1"/>
+              <a:t>Engage With Your Peers</a:t>
+            </a:r>
+            <a:br>
+              <a:rPr lang="en-US"/>
+            </a:br>
+            <a:r>
+              <a:rPr lang="en-US"/>
+              <a:t>Leave thoughtful comments or questions on at least 2 classmates’ posts. Build a feedback loop!</a:t>
+            </a:r>
+          </a:p>
+        </p:txBody>
+      </p:sp>
+      <p:cxnSp>
+        <p:nvCxnSpPr>
+          <p:cNvPr id="10" name="Straight Connector 9">
+            <a:extLst>
+              <a:ext uri="{FF2B5EF4-FFF2-40B4-BE49-F238E27FC236}">
+                <a16:creationId xmlns:a16="http://schemas.microsoft.com/office/drawing/2014/main" id="{10694E1F-471C-4340-BE4B-28F2BF7D7A91}"/>
+              </a:ext>
+              <a:ext uri="{C183D7F6-B498-43B3-948B-1728B52AA6E4}">
+                <adec:decorative xmlns:adec="http://schemas.microsoft.com/office/drawing/2017/decorative" val="1"/>
+              </a:ext>
+            </a:extLst>
+          </p:cNvPr>
+          <p:cNvCxnSpPr>
+            <a:cxnSpLocks noGrp="1" noRot="1" noChangeAspect="1" noMove="1" noResize="1" noEditPoints="1" noAdjustHandles="1" noChangeArrowheads="1" noChangeShapeType="1"/>
+          </p:cNvCxnSpPr>
+          <p:nvPr>
+            <p:extLst>
+              <p:ext uri="{386F3935-93C4-4BCD-93E2-E3B085C9AB24}">
+                <p16:designElem xmlns:p16="http://schemas.microsoft.com/office/powerpoint/2015/main" val="1"/>
+              </p:ext>
+            </p:extLst>
+          </p:nvPr>
+        </p:nvCxnSpPr>
+        <p:spPr>
+          <a:xfrm>
+            <a:off x="713232" y="6272784"/>
+            <a:ext cx="978862" cy="0"/>
+          </a:xfrm>
+          <a:prstGeom prst="line">
+            <a:avLst/>
+          </a:prstGeom>
+          <a:ln w="76200"/>
+        </p:spPr>
+        <p:style>
+          <a:lnRef idx="1">
+            <a:schemeClr val="accent1"/>
+          </a:lnRef>
+          <a:fillRef idx="0">
+            <a:schemeClr val="accent1"/>
+          </a:fillRef>
+          <a:effectRef idx="0">
+            <a:schemeClr val="accent1"/>
+          </a:effectRef>
+          <a:fontRef idx="minor">
+            <a:schemeClr val="tx1"/>
+          </a:fontRef>
+        </p:style>
+      </p:cxnSp>
+    </p:spTree>
+    <p:extLst>
+      <p:ext uri="{BB962C8B-B14F-4D97-AF65-F5344CB8AC3E}">
+        <p14:creationId xmlns:p14="http://schemas.microsoft.com/office/powerpoint/2010/main" val="3374979888"/>
+      </p:ext>
+    </p:extLst>
+  </p:cSld>
+  <p:clrMapOvr>
+    <a:masterClrMapping/>
+  </p:clrMapOvr>
+</p:sld>
+</file>
+
+<file path=ppt/slides/slide29.xml><?xml version="1.0" encoding="utf-8"?>
+<p:sld xmlns:a="http://schemas.openxmlformats.org/drawingml/2006/main" xmlns:r="http://schemas.openxmlformats.org/officeDocument/2006/relationships" xmlns:p="http://schemas.openxmlformats.org/presentationml/2006/main">
+  <p:cSld>
+    <p:bg>
+      <p:bgPr>
+        <a:solidFill>
+          <a:schemeClr val="bg1"/>
+        </a:solidFill>
+        <a:effectLst/>
+      </p:bgPr>
+    </p:bg>
+    <p:spTree>
+      <p:nvGrpSpPr>
+        <p:cNvPr id="1" name=""/>
+        <p:cNvGrpSpPr/>
+        <p:nvPr/>
+      </p:nvGrpSpPr>
+      <p:grpSpPr>
+        <a:xfrm>
+          <a:off x="0" y="0"/>
+          <a:ext cx="0" cy="0"/>
+          <a:chOff x="0" y="0"/>
+          <a:chExt cx="0" cy="0"/>
+        </a:xfrm>
+      </p:grpSpPr>
       <p:cxnSp>
         <p:nvCxnSpPr>
           <p:cNvPr id="7" name="Straight Connector 6">
@@ -18643,7 +19040,7 @@
         </p:nvSpPr>
         <p:spPr>
           <a:xfrm>
-            <a:off x="802919" y="858034"/>
+            <a:off x="802919" y="977076"/>
             <a:ext cx="3812923" cy="1569516"/>
           </a:xfrm>
         </p:spPr>
